--- a/docs/Brainliner_Desktop_Tutorial_for_Use[jp].pptx
+++ b/docs/Brainliner_Desktop_Tutorial_for_Use[jp].pptx
@@ -395,7 +395,7 @@
           <a:bodyPr bIns="0" lIns="0" rIns="0" tIns="0" wrap="none"/>
           <a:p>
             <a:pPr algn="r"/>
-            <a:fld id="{01F1F1D1-A191-41E1-A1F1-71B1E11161D1}" type="slidenum">
+            <a:fld id="{71E1C1F1-0151-4171-9101-3111C171C1C1}" type="slidenum">
               <a:rPr lang="fi-FI" sz="1400"/>
               <a:t>&lt;番号&gt;</a:t>
             </a:fld>
@@ -1561,7 +1561,71 @@
                   <a:srgbClr val="000000"/>
                 </a:solidFill>
               </a:rPr>
-              <a:t>Software : Java 1.6.x</a:t>
+              <a:t>Software : Java 1.6.x </a:t>
+            </a:r>
+            <a:r>
+              <a:rPr lang="fi-FI" sz="1400">
+                <a:solidFill>
+                  <a:srgbClr val="ff420e"/>
+                </a:solidFill>
+              </a:rPr>
+              <a:t>Mac OS X (Lion)</a:t>
+            </a:r>
+            <a:r>
+              <a:rPr lang="fi-FI" sz="1400">
+                <a:solidFill>
+                  <a:srgbClr val="ff420e"/>
+                </a:solidFill>
+              </a:rPr>
+              <a:t>をお使いの方は</a:t>
+            </a:r>
+            <a:r>
+              <a:rPr lang="fi-FI" sz="1400">
+                <a:solidFill>
+                  <a:srgbClr val="ff420e"/>
+                </a:solidFill>
+              </a:rPr>
+              <a:t>java</a:t>
+            </a:r>
+            <a:r>
+              <a:rPr lang="fi-FI" sz="1400">
+                <a:solidFill>
+                  <a:srgbClr val="ff420e"/>
+                </a:solidFill>
+              </a:rPr>
+              <a:t>のインストールが必要です。ターミナルを起動し、</a:t>
+            </a:r>
+            <a:r>
+              <a:rPr lang="fi-FI" sz="1400">
+                <a:solidFill>
+                  <a:srgbClr val="ff420e"/>
+                </a:solidFill>
+              </a:rPr>
+              <a:t>java</a:t>
+            </a:r>
+            <a:r>
+              <a:rPr lang="fi-FI" sz="1400">
+                <a:solidFill>
+                  <a:srgbClr val="ff420e"/>
+                </a:solidFill>
+              </a:rPr>
+              <a:t>と入力することで、</a:t>
+            </a:r>
+            <a:r>
+              <a:rPr lang="fi-FI" sz="1400">
+                <a:solidFill>
+                  <a:srgbClr val="ff420e"/>
+                </a:solidFill>
+              </a:rPr>
+              <a:t>java</a:t>
+            </a:r>
+            <a:r>
+              <a:rPr lang="fi-FI" sz="1400">
+                <a:solidFill>
+                  <a:srgbClr val="ff420e"/>
+                </a:solidFill>
+              </a:rPr>
+              <a:t>をインストールしてください。</a:t>
             </a:r>
             <a:endParaRPr/>
           </a:p>

--- a/docs/Brainliner_Desktop_Tutorial_for_Use[jp].pptx
+++ b/docs/Brainliner_Desktop_Tutorial_for_Use[jp].pptx
@@ -395,7 +395,7 @@
           <a:bodyPr bIns="0" lIns="0" rIns="0" tIns="0" wrap="none"/>
           <a:p>
             <a:pPr algn="r"/>
-            <a:fld id="{71E1C1F1-0151-4171-9101-3111C171C1C1}" type="slidenum">
+            <a:fld id="{1181C1B1-21C1-4101-9111-512141A15171}" type="slidenum">
               <a:rPr lang="fi-FI" sz="1400"/>
               <a:t>&lt;番号&gt;</a:t>
             </a:fld>
@@ -514,7 +514,7 @@
       </p:grpSpPr>
       <p:sp>
         <p:nvSpPr>
-          <p:cNvPr id="34" name="TextShape 1"/>
+          <p:cNvPr id="35" name="TextShape 1"/>
           <p:cNvSpPr txBox="1"/>
           <p:nvPr/>
         </p:nvSpPr>
@@ -541,7 +541,7 @@
       </p:sp>
       <p:sp>
         <p:nvSpPr>
-          <p:cNvPr id="35" name="TextShape 2"/>
+          <p:cNvPr id="36" name="TextShape 2"/>
           <p:cNvSpPr txBox="1"/>
           <p:nvPr/>
         </p:nvSpPr>
@@ -564,9 +564,8 @@
           </a:p>
           <a:p>
             <a:pPr>
-              <a:buSzPct val="45000"/>
-              <a:buFont typeface="StarSymbol"/>
-              <a:buChar char=""/>
+              <a:buFont typeface="Times New Roman"/>
+              <a:buAutoNum type="arabicPeriod"/>
             </a:pPr>
             <a:r>
               <a:rPr lang="fi-FI" sz="1400"/>
@@ -584,9 +583,8 @@
           </a:p>
           <a:p>
             <a:pPr>
-              <a:buSzPct val="45000"/>
-              <a:buFont typeface="StarSymbol"/>
-              <a:buChar char=""/>
+              <a:buFont typeface="Times New Roman"/>
+              <a:buAutoNum type="arabicPeriod"/>
             </a:pPr>
             <a:r>
               <a:rPr lang="fi-FI" sz="1400"/>
@@ -606,7 +604,7 @@
       </p:sp>
       <p:pic>
         <p:nvPicPr>
-          <p:cNvPr descr="" id="36" name=""/>
+          <p:cNvPr descr="" id="37" name=""/>
           <p:cNvPicPr/>
           <p:nvPr/>
         </p:nvPicPr>
@@ -628,7 +626,7 @@
       </p:pic>
       <p:pic>
         <p:nvPicPr>
-          <p:cNvPr descr="" id="37" name=""/>
+          <p:cNvPr descr="" id="38" name=""/>
           <p:cNvPicPr/>
           <p:nvPr/>
         </p:nvPicPr>
@@ -650,7 +648,7 @@
       </p:pic>
       <p:sp>
         <p:nvSpPr>
-          <p:cNvPr id="38" name="Line 3"/>
+          <p:cNvPr id="39" name="Line 3"/>
           <p:cNvSpPr/>
           <p:nvPr/>
         </p:nvSpPr>
@@ -694,7 +692,7 @@
       </p:grpSpPr>
       <p:sp>
         <p:nvSpPr>
-          <p:cNvPr id="39" name="TextShape 1"/>
+          <p:cNvPr id="40" name="TextShape 1"/>
           <p:cNvSpPr txBox="1"/>
           <p:nvPr/>
         </p:nvSpPr>
@@ -721,7 +719,7 @@
       </p:sp>
       <p:sp>
         <p:nvSpPr>
-          <p:cNvPr id="40" name="TextShape 2"/>
+          <p:cNvPr id="41" name="TextShape 2"/>
           <p:cNvSpPr txBox="1"/>
           <p:nvPr/>
         </p:nvSpPr>
@@ -744,9 +742,8 @@
           </a:p>
           <a:p>
             <a:pPr>
-              <a:buSzPct val="45000"/>
-              <a:buFont typeface="StarSymbol"/>
-              <a:buChar char=""/>
+              <a:buFont typeface="Times New Roman"/>
+              <a:buAutoNum type="arabicPeriod"/>
             </a:pPr>
             <a:r>
               <a:rPr lang="fi-FI" sz="1400"/>
@@ -760,9 +757,8 @@
           </a:p>
           <a:p>
             <a:pPr>
-              <a:buSzPct val="45000"/>
-              <a:buFont typeface="StarSymbol"/>
-              <a:buChar char=""/>
+              <a:buFont typeface="Times New Roman"/>
+              <a:buAutoNum type="arabicPeriod"/>
             </a:pPr>
             <a:r>
               <a:rPr lang="fi-FI" sz="1400"/>
@@ -790,7 +786,7 @@
       </p:sp>
       <p:sp>
         <p:nvSpPr>
-          <p:cNvPr id="41" name="TextShape 3"/>
+          <p:cNvPr id="42" name="TextShape 3"/>
           <p:cNvSpPr txBox="1"/>
           <p:nvPr/>
         </p:nvSpPr>
@@ -871,7 +867,7 @@
       </p:grpSpPr>
       <p:sp>
         <p:nvSpPr>
-          <p:cNvPr id="42" name="TextShape 1"/>
+          <p:cNvPr id="43" name="TextShape 1"/>
           <p:cNvSpPr txBox="1"/>
           <p:nvPr/>
         </p:nvSpPr>
@@ -898,7 +894,7 @@
       </p:sp>
       <p:sp>
         <p:nvSpPr>
-          <p:cNvPr id="43" name="TextShape 2"/>
+          <p:cNvPr id="44" name="TextShape 2"/>
           <p:cNvSpPr txBox="1"/>
           <p:nvPr/>
         </p:nvSpPr>
@@ -921,9 +917,8 @@
           </a:p>
           <a:p>
             <a:pPr>
-              <a:buSzPct val="45000"/>
-              <a:buFont typeface="StarSymbol"/>
-              <a:buChar char=""/>
+              <a:buFont typeface="Times New Roman"/>
+              <a:buAutoNum type="arabicPeriod"/>
             </a:pPr>
             <a:r>
               <a:rPr lang="fi-FI" sz="1400"/>
@@ -949,9 +944,8 @@
           </a:p>
           <a:p>
             <a:pPr>
-              <a:buSzPct val="45000"/>
-              <a:buFont typeface="StarSymbol"/>
-              <a:buChar char=""/>
+              <a:buFont typeface="Times New Roman"/>
+              <a:buAutoNum type="arabicPeriod"/>
             </a:pPr>
             <a:r>
               <a:rPr lang="fi-FI" sz="1400"/>
@@ -1011,7 +1005,7 @@
       </p:sp>
       <p:pic>
         <p:nvPicPr>
-          <p:cNvPr descr="" id="44" name=""/>
+          <p:cNvPr descr="" id="45" name=""/>
           <p:cNvPicPr/>
           <p:nvPr/>
         </p:nvPicPr>
@@ -1033,7 +1027,7 @@
       </p:pic>
       <p:pic>
         <p:nvPicPr>
-          <p:cNvPr descr="" id="45" name=""/>
+          <p:cNvPr descr="" id="46" name=""/>
           <p:cNvPicPr/>
           <p:nvPr/>
         </p:nvPicPr>
@@ -1055,7 +1049,7 @@
       </p:pic>
       <p:sp>
         <p:nvSpPr>
-          <p:cNvPr id="46" name="CustomShape 3"/>
+          <p:cNvPr id="47" name="CustomShape 3"/>
           <p:cNvSpPr/>
           <p:nvPr/>
         </p:nvSpPr>
@@ -1077,7 +1071,7 @@
       </p:sp>
       <p:sp>
         <p:nvSpPr>
-          <p:cNvPr id="47" name="Line 4"/>
+          <p:cNvPr id="48" name="Line 4"/>
           <p:cNvSpPr/>
           <p:nvPr/>
         </p:nvSpPr>
@@ -1099,7 +1093,7 @@
       </p:sp>
       <p:sp>
         <p:nvSpPr>
-          <p:cNvPr id="48" name="TextShape 5"/>
+          <p:cNvPr id="49" name="TextShape 5"/>
           <p:cNvSpPr txBox="1"/>
           <p:nvPr/>
         </p:nvSpPr>
@@ -1126,7 +1120,7 @@
       </p:sp>
       <p:sp>
         <p:nvSpPr>
-          <p:cNvPr id="49" name="Line 6"/>
+          <p:cNvPr id="50" name="Line 6"/>
           <p:cNvSpPr/>
           <p:nvPr/>
         </p:nvSpPr>
@@ -1148,7 +1142,7 @@
       </p:sp>
       <p:sp>
         <p:nvSpPr>
-          <p:cNvPr id="50" name="TextShape 7"/>
+          <p:cNvPr id="51" name="TextShape 7"/>
           <p:cNvSpPr txBox="1"/>
           <p:nvPr/>
         </p:nvSpPr>
@@ -1229,7 +1223,7 @@
       </p:grpSpPr>
       <p:sp>
         <p:nvSpPr>
-          <p:cNvPr id="51" name="TextShape 1"/>
+          <p:cNvPr id="52" name="TextShape 1"/>
           <p:cNvSpPr txBox="1"/>
           <p:nvPr/>
         </p:nvSpPr>
@@ -1256,7 +1250,7 @@
       </p:sp>
       <p:sp>
         <p:nvSpPr>
-          <p:cNvPr id="52" name="TextShape 2"/>
+          <p:cNvPr id="53" name="TextShape 2"/>
           <p:cNvSpPr txBox="1"/>
           <p:nvPr/>
         </p:nvSpPr>
@@ -1279,9 +1273,8 @@
           </a:p>
           <a:p>
             <a:pPr>
-              <a:buSzPct val="45000"/>
-              <a:buFont typeface="StarSymbol"/>
-              <a:buChar char=""/>
+              <a:buFont typeface="Times New Roman"/>
+              <a:buAutoNum type="arabicPeriod"/>
             </a:pPr>
             <a:r>
               <a:rPr lang="fi-FI" sz="1400"/>
@@ -1363,7 +1356,7 @@
       </p:grpSpPr>
       <p:sp>
         <p:nvSpPr>
-          <p:cNvPr id="53" name="TextShape 1"/>
+          <p:cNvPr id="54" name="TextShape 1"/>
           <p:cNvSpPr txBox="1"/>
           <p:nvPr/>
         </p:nvSpPr>
@@ -1390,7 +1383,7 @@
       </p:sp>
       <p:sp>
         <p:nvSpPr>
-          <p:cNvPr id="54" name="TextShape 2"/>
+          <p:cNvPr id="55" name="TextShape 2"/>
           <p:cNvSpPr txBox="1"/>
           <p:nvPr/>
         </p:nvSpPr>
@@ -1655,7 +1648,7 @@
       </p:grpSpPr>
       <p:sp>
         <p:nvSpPr>
-          <p:cNvPr id="55" name="TextShape 1"/>
+          <p:cNvPr id="56" name="TextShape 1"/>
           <p:cNvSpPr txBox="1"/>
           <p:nvPr/>
         </p:nvSpPr>
@@ -1682,7 +1675,7 @@
       </p:sp>
       <p:sp>
         <p:nvSpPr>
-          <p:cNvPr id="56" name="TextShape 2"/>
+          <p:cNvPr id="57" name="TextShape 2"/>
           <p:cNvSpPr txBox="1"/>
           <p:nvPr/>
         </p:nvSpPr>
@@ -1866,7 +1859,7 @@
       </p:grpSpPr>
       <p:sp>
         <p:nvSpPr>
-          <p:cNvPr id="57" name="TextShape 1"/>
+          <p:cNvPr id="58" name="TextShape 1"/>
           <p:cNvSpPr txBox="1"/>
           <p:nvPr/>
         </p:nvSpPr>
@@ -1893,7 +1886,7 @@
       </p:sp>
       <p:sp>
         <p:nvSpPr>
-          <p:cNvPr id="58" name="TextShape 2"/>
+          <p:cNvPr id="59" name="TextShape 2"/>
           <p:cNvSpPr txBox="1"/>
           <p:nvPr/>
         </p:nvSpPr>
@@ -2023,7 +2016,7 @@
       </p:sp>
       <p:sp>
         <p:nvSpPr>
-          <p:cNvPr id="59" name="TextShape 3"/>
+          <p:cNvPr id="60" name="TextShape 3"/>
           <p:cNvSpPr txBox="1"/>
           <p:nvPr/>
         </p:nvSpPr>
@@ -2160,7 +2153,7 @@
       </p:grpSpPr>
       <p:sp>
         <p:nvSpPr>
-          <p:cNvPr id="60" name="TextShape 1"/>
+          <p:cNvPr id="61" name="TextShape 1"/>
           <p:cNvSpPr txBox="1"/>
           <p:nvPr/>
         </p:nvSpPr>
@@ -2187,7 +2180,7 @@
       </p:sp>
       <p:sp>
         <p:nvSpPr>
-          <p:cNvPr id="61" name="TextShape 2"/>
+          <p:cNvPr id="62" name="TextShape 2"/>
           <p:cNvSpPr txBox="1"/>
           <p:nvPr/>
         </p:nvSpPr>
@@ -2279,7 +2272,7 @@
       </p:grpSpPr>
       <p:sp>
         <p:nvSpPr>
-          <p:cNvPr id="62" name="TextShape 1"/>
+          <p:cNvPr id="63" name="TextShape 1"/>
           <p:cNvSpPr txBox="1"/>
           <p:nvPr/>
         </p:nvSpPr>
@@ -2306,7 +2299,7 @@
       </p:sp>
       <p:sp>
         <p:nvSpPr>
-          <p:cNvPr id="63" name="TextShape 2"/>
+          <p:cNvPr id="64" name="TextShape 2"/>
           <p:cNvSpPr txBox="1"/>
           <p:nvPr/>
         </p:nvSpPr>
@@ -2417,7 +2410,7 @@
       </p:sp>
       <p:pic>
         <p:nvPicPr>
-          <p:cNvPr descr="" id="64" name=""/>
+          <p:cNvPr descr="" id="65" name=""/>
           <p:cNvPicPr/>
           <p:nvPr/>
         </p:nvPicPr>
@@ -2461,7 +2454,7 @@
       </p:grpSpPr>
       <p:sp>
         <p:nvSpPr>
-          <p:cNvPr id="65" name="TextShape 1"/>
+          <p:cNvPr id="66" name="TextShape 1"/>
           <p:cNvSpPr txBox="1"/>
           <p:nvPr/>
         </p:nvSpPr>
@@ -2488,7 +2481,7 @@
       </p:sp>
       <p:sp>
         <p:nvSpPr>
-          <p:cNvPr id="66" name="TextShape 2"/>
+          <p:cNvPr id="67" name="TextShape 2"/>
           <p:cNvSpPr txBox="1"/>
           <p:nvPr/>
         </p:nvSpPr>
@@ -2603,7 +2596,7 @@
       </p:sp>
       <p:sp>
         <p:nvSpPr>
-          <p:cNvPr id="67" name="CustomShape 3"/>
+          <p:cNvPr id="68" name="CustomShape 3"/>
           <p:cNvSpPr/>
           <p:nvPr/>
         </p:nvSpPr>
@@ -2625,7 +2618,7 @@
       </p:sp>
       <p:sp>
         <p:nvSpPr>
-          <p:cNvPr id="68" name="TextShape 4"/>
+          <p:cNvPr id="69" name="TextShape 4"/>
           <p:cNvSpPr txBox="1"/>
           <p:nvPr/>
         </p:nvSpPr>
@@ -2652,7 +2645,7 @@
       </p:sp>
       <p:sp>
         <p:nvSpPr>
-          <p:cNvPr id="69" name="TextShape 5"/>
+          <p:cNvPr id="70" name="TextShape 5"/>
           <p:cNvSpPr txBox="1"/>
           <p:nvPr/>
         </p:nvSpPr>
@@ -2885,7 +2878,7 @@
       </p:grpSpPr>
       <p:sp>
         <p:nvSpPr>
-          <p:cNvPr id="70" name="TextShape 1"/>
+          <p:cNvPr id="71" name="TextShape 1"/>
           <p:cNvSpPr txBox="1"/>
           <p:nvPr/>
         </p:nvSpPr>
@@ -2912,7 +2905,7 @@
       </p:sp>
       <p:sp>
         <p:nvSpPr>
-          <p:cNvPr id="71" name="TextShape 2"/>
+          <p:cNvPr id="72" name="TextShape 2"/>
           <p:cNvSpPr txBox="1"/>
           <p:nvPr/>
         </p:nvSpPr>
@@ -3050,7 +3043,7 @@
       </p:sp>
       <p:sp>
         <p:nvSpPr>
-          <p:cNvPr id="72" name="CustomShape 3"/>
+          <p:cNvPr id="73" name="CustomShape 3"/>
           <p:cNvSpPr/>
           <p:nvPr/>
         </p:nvSpPr>
@@ -3072,7 +3065,7 @@
       </p:sp>
       <p:sp>
         <p:nvSpPr>
-          <p:cNvPr id="73" name="TextShape 4"/>
+          <p:cNvPr id="74" name="TextShape 4"/>
           <p:cNvSpPr txBox="1"/>
           <p:nvPr/>
         </p:nvSpPr>
@@ -3099,7 +3092,7 @@
       </p:sp>
       <p:pic>
         <p:nvPicPr>
-          <p:cNvPr descr="" id="74" name=""/>
+          <p:cNvPr descr="" id="75" name=""/>
           <p:cNvPicPr/>
           <p:nvPr/>
         </p:nvPicPr>
@@ -3121,7 +3114,7 @@
       </p:pic>
       <p:pic>
         <p:nvPicPr>
-          <p:cNvPr descr="" id="75" name=""/>
+          <p:cNvPr descr="" id="76" name=""/>
           <p:cNvPicPr/>
           <p:nvPr/>
         </p:nvPicPr>
@@ -3143,7 +3136,7 @@
       </p:pic>
       <p:pic>
         <p:nvPicPr>
-          <p:cNvPr descr="" id="76" name=""/>
+          <p:cNvPr descr="" id="77" name=""/>
           <p:cNvPicPr/>
           <p:nvPr/>
         </p:nvPicPr>
@@ -3165,7 +3158,7 @@
       </p:pic>
       <p:sp>
         <p:nvSpPr>
-          <p:cNvPr id="77" name="Line 5"/>
+          <p:cNvPr id="78" name="Line 5"/>
           <p:cNvSpPr/>
           <p:nvPr/>
         </p:nvSpPr>
@@ -3187,7 +3180,7 @@
       </p:sp>
       <p:sp>
         <p:nvSpPr>
-          <p:cNvPr id="78" name="TextShape 6"/>
+          <p:cNvPr id="79" name="TextShape 6"/>
           <p:cNvSpPr txBox="1"/>
           <p:nvPr/>
         </p:nvSpPr>
@@ -3214,7 +3207,7 @@
       </p:sp>
       <p:sp>
         <p:nvSpPr>
-          <p:cNvPr id="79" name="Line 7"/>
+          <p:cNvPr id="80" name="Line 7"/>
           <p:cNvSpPr/>
           <p:nvPr/>
         </p:nvSpPr>
@@ -3236,7 +3229,7 @@
       </p:sp>
       <p:sp>
         <p:nvSpPr>
-          <p:cNvPr id="80" name="TextShape 8"/>
+          <p:cNvPr id="81" name="TextShape 8"/>
           <p:cNvSpPr txBox="1"/>
           <p:nvPr/>
         </p:nvSpPr>
@@ -3263,7 +3256,7 @@
       </p:sp>
       <p:sp>
         <p:nvSpPr>
-          <p:cNvPr id="81" name="Line 9"/>
+          <p:cNvPr id="82" name="Line 9"/>
           <p:cNvSpPr/>
           <p:nvPr/>
         </p:nvSpPr>
@@ -3285,7 +3278,7 @@
       </p:sp>
       <p:sp>
         <p:nvSpPr>
-          <p:cNvPr id="82" name="TextShape 10"/>
+          <p:cNvPr id="83" name="TextShape 10"/>
           <p:cNvSpPr txBox="1"/>
           <p:nvPr/>
         </p:nvSpPr>
@@ -3334,7 +3327,7 @@
       </p:grpSpPr>
       <p:sp>
         <p:nvSpPr>
-          <p:cNvPr id="83" name="TextShape 1"/>
+          <p:cNvPr id="84" name="TextShape 1"/>
           <p:cNvSpPr txBox="1"/>
           <p:nvPr/>
         </p:nvSpPr>
@@ -3361,7 +3354,7 @@
       </p:sp>
       <p:sp>
         <p:nvSpPr>
-          <p:cNvPr id="84" name="TextShape 2"/>
+          <p:cNvPr id="85" name="TextShape 2"/>
           <p:cNvSpPr txBox="1"/>
           <p:nvPr/>
         </p:nvSpPr>
@@ -3587,7 +3580,7 @@
       </p:sp>
       <p:sp>
         <p:nvSpPr>
-          <p:cNvPr id="85" name="TextShape 3"/>
+          <p:cNvPr id="86" name="TextShape 3"/>
           <p:cNvSpPr txBox="1"/>
           <p:nvPr/>
         </p:nvSpPr>
@@ -3726,7 +3719,7 @@
       </p:sp>
       <p:pic>
         <p:nvPicPr>
-          <p:cNvPr descr="" id="86" name=""/>
+          <p:cNvPr descr="" id="87" name=""/>
           <p:cNvPicPr/>
           <p:nvPr/>
         </p:nvPicPr>
@@ -3748,7 +3741,7 @@
       </p:pic>
       <p:pic>
         <p:nvPicPr>
-          <p:cNvPr descr="" id="87" name=""/>
+          <p:cNvPr descr="" id="88" name=""/>
           <p:cNvPicPr/>
           <p:nvPr/>
         </p:nvPicPr>
@@ -3770,7 +3763,7 @@
       </p:pic>
       <p:sp>
         <p:nvSpPr>
-          <p:cNvPr id="88" name="CustomShape 4"/>
+          <p:cNvPr id="89" name="CustomShape 4"/>
           <p:cNvSpPr/>
           <p:nvPr/>
         </p:nvSpPr>
@@ -3792,7 +3785,7 @@
       </p:sp>
       <p:sp>
         <p:nvSpPr>
-          <p:cNvPr id="89" name="Line 5"/>
+          <p:cNvPr id="90" name="Line 5"/>
           <p:cNvSpPr/>
           <p:nvPr/>
         </p:nvSpPr>
@@ -3814,7 +3807,7 @@
       </p:sp>
       <p:sp>
         <p:nvSpPr>
-          <p:cNvPr id="90" name="Line 6"/>
+          <p:cNvPr id="91" name="Line 6"/>
           <p:cNvSpPr/>
           <p:nvPr/>
         </p:nvSpPr>
@@ -3836,7 +3829,7 @@
       </p:sp>
       <p:sp>
         <p:nvSpPr>
-          <p:cNvPr id="91" name="Line 7"/>
+          <p:cNvPr id="92" name="Line 7"/>
           <p:cNvSpPr/>
           <p:nvPr/>
         </p:nvSpPr>
@@ -3858,7 +3851,7 @@
       </p:sp>
       <p:sp>
         <p:nvSpPr>
-          <p:cNvPr id="92" name="TextShape 8"/>
+          <p:cNvPr id="93" name="TextShape 8"/>
           <p:cNvSpPr txBox="1"/>
           <p:nvPr/>
         </p:nvSpPr>
@@ -3885,7 +3878,7 @@
       </p:sp>
       <p:sp>
         <p:nvSpPr>
-          <p:cNvPr id="93" name="TextShape 9"/>
+          <p:cNvPr id="94" name="TextShape 9"/>
           <p:cNvSpPr txBox="1"/>
           <p:nvPr/>
         </p:nvSpPr>
@@ -3912,7 +3905,7 @@
       </p:sp>
       <p:sp>
         <p:nvSpPr>
-          <p:cNvPr id="94" name="TextShape 10"/>
+          <p:cNvPr id="95" name="TextShape 10"/>
           <p:cNvSpPr txBox="1"/>
           <p:nvPr/>
         </p:nvSpPr>
@@ -3943,7 +3936,7 @@
       </p:sp>
       <p:sp>
         <p:nvSpPr>
-          <p:cNvPr id="95" name="TextShape 11"/>
+          <p:cNvPr id="96" name="TextShape 11"/>
           <p:cNvSpPr txBox="1"/>
           <p:nvPr/>
         </p:nvSpPr>
@@ -3970,7 +3963,7 @@
       </p:sp>
       <p:sp>
         <p:nvSpPr>
-          <p:cNvPr id="96" name="TextShape 12"/>
+          <p:cNvPr id="97" name="TextShape 12"/>
           <p:cNvSpPr txBox="1"/>
           <p:nvPr/>
         </p:nvSpPr>
@@ -3997,7 +3990,7 @@
       </p:sp>
       <p:sp>
         <p:nvSpPr>
-          <p:cNvPr id="97" name="TextShape 13"/>
+          <p:cNvPr id="98" name="TextShape 13"/>
           <p:cNvSpPr txBox="1"/>
           <p:nvPr/>
         </p:nvSpPr>
@@ -4046,7 +4039,7 @@
       </p:grpSpPr>
       <p:pic>
         <p:nvPicPr>
-          <p:cNvPr descr="" id="98" name=""/>
+          <p:cNvPr descr="" id="99" name=""/>
           <p:cNvPicPr/>
           <p:nvPr/>
         </p:nvPicPr>
@@ -4068,7 +4061,7 @@
       </p:pic>
       <p:sp>
         <p:nvSpPr>
-          <p:cNvPr id="99" name="TextShape 1"/>
+          <p:cNvPr id="100" name="TextShape 1"/>
           <p:cNvSpPr txBox="1"/>
           <p:nvPr/>
         </p:nvSpPr>
@@ -4095,7 +4088,7 @@
       </p:sp>
       <p:sp>
         <p:nvSpPr>
-          <p:cNvPr id="100" name="TextShape 2"/>
+          <p:cNvPr id="101" name="TextShape 2"/>
           <p:cNvSpPr txBox="1"/>
           <p:nvPr/>
         </p:nvSpPr>
@@ -4201,7 +4194,7 @@
       </p:sp>
       <p:sp>
         <p:nvSpPr>
-          <p:cNvPr id="101" name="CustomShape 3"/>
+          <p:cNvPr id="102" name="CustomShape 3"/>
           <p:cNvSpPr/>
           <p:nvPr/>
         </p:nvSpPr>
@@ -4223,7 +4216,7 @@
       </p:sp>
       <p:sp>
         <p:nvSpPr>
-          <p:cNvPr id="102" name="Line 4"/>
+          <p:cNvPr id="103" name="Line 4"/>
           <p:cNvSpPr/>
           <p:nvPr/>
         </p:nvSpPr>
@@ -4245,7 +4238,7 @@
       </p:sp>
       <p:sp>
         <p:nvSpPr>
-          <p:cNvPr id="103" name="TextShape 5"/>
+          <p:cNvPr id="104" name="TextShape 5"/>
           <p:cNvSpPr txBox="1"/>
           <p:nvPr/>
         </p:nvSpPr>
@@ -4272,7 +4265,7 @@
       </p:sp>
       <p:sp>
         <p:nvSpPr>
-          <p:cNvPr id="104" name="TextShape 6"/>
+          <p:cNvPr id="105" name="TextShape 6"/>
           <p:cNvSpPr txBox="1"/>
           <p:nvPr/>
         </p:nvSpPr>
@@ -4299,7 +4292,7 @@
       </p:sp>
       <p:pic>
         <p:nvPicPr>
-          <p:cNvPr descr="" id="105" name=""/>
+          <p:cNvPr descr="" id="106" name=""/>
           <p:cNvPicPr/>
           <p:nvPr/>
         </p:nvPicPr>
@@ -4343,7 +4336,7 @@
       </p:grpSpPr>
       <p:sp>
         <p:nvSpPr>
-          <p:cNvPr id="106" name="TextShape 1"/>
+          <p:cNvPr id="107" name="TextShape 1"/>
           <p:cNvSpPr txBox="1"/>
           <p:nvPr/>
         </p:nvSpPr>
@@ -4370,7 +4363,7 @@
       </p:sp>
       <p:sp>
         <p:nvSpPr>
-          <p:cNvPr id="107" name="TextShape 2"/>
+          <p:cNvPr id="108" name="TextShape 2"/>
           <p:cNvSpPr txBox="1"/>
           <p:nvPr/>
         </p:nvSpPr>
@@ -4550,7 +4543,7 @@
       </p:grpSpPr>
       <p:sp>
         <p:nvSpPr>
-          <p:cNvPr id="108" name="TextShape 1"/>
+          <p:cNvPr id="109" name="TextShape 1"/>
           <p:cNvSpPr txBox="1"/>
           <p:nvPr/>
         </p:nvSpPr>
@@ -4577,7 +4570,7 @@
       </p:sp>
       <p:sp>
         <p:nvSpPr>
-          <p:cNvPr id="109" name="TextShape 2"/>
+          <p:cNvPr id="110" name="TextShape 2"/>
           <p:cNvSpPr txBox="1"/>
           <p:nvPr/>
         </p:nvSpPr>
@@ -4783,7 +4776,7 @@
       </p:grpSpPr>
       <p:sp>
         <p:nvSpPr>
-          <p:cNvPr id="110" name="TextShape 1"/>
+          <p:cNvPr id="111" name="TextShape 1"/>
           <p:cNvSpPr txBox="1"/>
           <p:nvPr/>
         </p:nvSpPr>
@@ -4810,7 +4803,7 @@
       </p:sp>
       <p:sp>
         <p:nvSpPr>
-          <p:cNvPr id="111" name="TextShape 2"/>
+          <p:cNvPr id="112" name="TextShape 2"/>
           <p:cNvSpPr txBox="1"/>
           <p:nvPr/>
         </p:nvSpPr>
@@ -5324,9 +5317,8 @@
           </a:p>
           <a:p>
             <a:pPr>
-              <a:buSzPct val="45000"/>
-              <a:buFont typeface="StarSymbol"/>
-              <a:buChar char=""/>
+              <a:buFont typeface="Times New Roman"/>
+              <a:buAutoNum type="arabicPeriod"/>
             </a:pPr>
             <a:r>
               <a:rPr lang="fi-FI" sz="1400"/>
@@ -5376,9 +5368,8 @@
           </a:p>
           <a:p>
             <a:pPr>
-              <a:buSzPct val="45000"/>
-              <a:buFont typeface="StarSymbol"/>
-              <a:buChar char=""/>
+              <a:buFont typeface="Times New Roman"/>
+              <a:buAutoNum type="arabicPeriod"/>
             </a:pPr>
             <a:r>
               <a:rPr lang="fi-FI" sz="1400"/>
@@ -5404,9 +5395,8 @@
           </a:p>
           <a:p>
             <a:pPr>
-              <a:buSzPct val="45000"/>
-              <a:buFont typeface="StarSymbol"/>
-              <a:buChar char=""/>
+              <a:buFont typeface="Times New Roman"/>
+              <a:buAutoNum type="arabicPeriod"/>
             </a:pPr>
             <a:r>
               <a:rPr lang="fi-FI" sz="1400"/>
@@ -5557,9 +5547,8 @@
           </a:p>
           <a:p>
             <a:pPr>
-              <a:buSzPct val="45000"/>
-              <a:buFont typeface="StarSymbol"/>
-              <a:buChar char=""/>
+              <a:buFont typeface="Times New Roman"/>
+              <a:buAutoNum type="arabicPeriod"/>
             </a:pPr>
             <a:r>
               <a:rPr lang="fi-FI" sz="1400"/>
@@ -5607,7 +5596,7 @@
         </p:blipFill>
         <p:spPr>
           <a:xfrm>
-            <a:off x="5580000" y="2022120"/>
+            <a:off x="5580000" y="2382120"/>
             <a:ext cx="3376080" cy="1577880"/>
           </a:xfrm>
           <a:prstGeom prst="rect">
@@ -5637,6 +5626,57 @@
           </a:prstGeom>
         </p:spPr>
       </p:pic>
+      <p:sp>
+        <p:nvSpPr>
+          <p:cNvPr id="21" name="TextShape 3"/>
+          <p:cNvSpPr txBox="1"/>
+          <p:nvPr/>
+        </p:nvSpPr>
+        <p:spPr>
+          <a:xfrm>
+            <a:off x="648720" y="1593360"/>
+            <a:ext cx="9071640" cy="1718640"/>
+          </a:xfrm>
+          <a:prstGeom prst="rect">
+            <a:avLst/>
+          </a:prstGeom>
+        </p:spPr>
+        <p:txBody>
+          <a:bodyPr bIns="0" lIns="0" rIns="0" tIns="0" wrap="none"/>
+          <a:p>
+            <a:pPr>
+              <a:buSzPct val="45000"/>
+              <a:buFont typeface="StarSymbol"/>
+              <a:buChar char=""/>
+            </a:pPr>
+            <a:r>
+              <a:rPr lang="fi-FI" sz="1400"/>
+              <a:t>Neuroshare</a:t>
+            </a:r>
+            <a:r>
+              <a:rPr lang="fi-FI" sz="1400"/>
+              <a:t>ファイルのヘッダ情報の閲覧と修正</a:t>
+            </a:r>
+            <a:endParaRPr/>
+          </a:p>
+          <a:p>
+            <a:pPr lvl="1">
+              <a:buSzPct val="45000"/>
+              <a:buFont typeface="StarSymbol"/>
+              <a:buChar char=""/>
+            </a:pPr>
+            <a:r>
+              <a:rPr lang="fi-FI" sz="1400"/>
+              <a:t>Neuroshare</a:t>
+            </a:r>
+            <a:r>
+              <a:rPr lang="fi-FI" sz="1400"/>
+              <a:t>ファイルのヘッダ情報の表示及び変更を行います。</a:t>
+            </a:r>
+            <a:endParaRPr/>
+          </a:p>
+        </p:txBody>
+      </p:sp>
     </p:spTree>
   </p:cSld>
 </p:sld>
@@ -5661,7 +5701,7 @@
       </p:grpSpPr>
       <p:sp>
         <p:nvSpPr>
-          <p:cNvPr id="21" name="TextShape 1"/>
+          <p:cNvPr id="22" name="TextShape 1"/>
           <p:cNvSpPr txBox="1"/>
           <p:nvPr/>
         </p:nvSpPr>
@@ -5688,7 +5728,7 @@
       </p:sp>
       <p:sp>
         <p:nvSpPr>
-          <p:cNvPr id="22" name="TextShape 2"/>
+          <p:cNvPr id="23" name="TextShape 2"/>
           <p:cNvSpPr txBox="1"/>
           <p:nvPr/>
         </p:nvSpPr>
@@ -5711,9 +5751,8 @@
           </a:p>
           <a:p>
             <a:pPr>
-              <a:buSzPct val="45000"/>
-              <a:buFont typeface="StarSymbol"/>
-              <a:buChar char=""/>
+              <a:buFont typeface="Times New Roman"/>
+              <a:buAutoNum type="arabicPeriod"/>
             </a:pPr>
             <a:r>
               <a:rPr lang="fi-FI" sz="1400"/>
@@ -5727,9 +5766,8 @@
           </a:p>
           <a:p>
             <a:pPr>
-              <a:buSzPct val="45000"/>
-              <a:buFont typeface="StarSymbol"/>
-              <a:buChar char=""/>
+              <a:buFont typeface="Times New Roman"/>
+              <a:buAutoNum type="arabicPeriod"/>
             </a:pPr>
             <a:r>
               <a:rPr lang="fi-FI" sz="1400"/>
@@ -5749,7 +5787,7 @@
       </p:sp>
       <p:pic>
         <p:nvPicPr>
-          <p:cNvPr descr="" id="23" name=""/>
+          <p:cNvPr descr="" id="24" name=""/>
           <p:cNvPicPr/>
           <p:nvPr/>
         </p:nvPicPr>
@@ -5771,7 +5809,7 @@
       </p:pic>
       <p:pic>
         <p:nvPicPr>
-          <p:cNvPr descr="" id="24" name=""/>
+          <p:cNvPr descr="" id="25" name=""/>
           <p:cNvPicPr/>
           <p:nvPr/>
         </p:nvPicPr>
@@ -5815,7 +5853,7 @@
       </p:grpSpPr>
       <p:sp>
         <p:nvSpPr>
-          <p:cNvPr id="25" name="TextShape 1"/>
+          <p:cNvPr id="26" name="TextShape 1"/>
           <p:cNvSpPr txBox="1"/>
           <p:nvPr/>
         </p:nvSpPr>
@@ -5842,7 +5880,7 @@
       </p:sp>
       <p:sp>
         <p:nvSpPr>
-          <p:cNvPr id="26" name="TextShape 2"/>
+          <p:cNvPr id="27" name="TextShape 2"/>
           <p:cNvSpPr txBox="1"/>
           <p:nvPr/>
         </p:nvSpPr>
@@ -5865,9 +5903,8 @@
           </a:p>
           <a:p>
             <a:pPr>
-              <a:buSzPct val="45000"/>
-              <a:buFont typeface="StarSymbol"/>
-              <a:buChar char=""/>
+              <a:buFont typeface="Times New Roman"/>
+              <a:buAutoNum type="arabicPeriod"/>
             </a:pPr>
             <a:r>
               <a:rPr lang="fi-FI" sz="1400"/>
@@ -5885,9 +5922,8 @@
           </a:p>
           <a:p>
             <a:pPr>
-              <a:buSzPct val="45000"/>
-              <a:buFont typeface="StarSymbol"/>
-              <a:buChar char=""/>
+              <a:buFont typeface="Times New Roman"/>
+              <a:buAutoNum type="arabicPeriod"/>
             </a:pPr>
             <a:r>
               <a:rPr lang="fi-FI" sz="1400"/>
@@ -5907,7 +5943,7 @@
       </p:sp>
       <p:pic>
         <p:nvPicPr>
-          <p:cNvPr descr="" id="27" name=""/>
+          <p:cNvPr descr="" id="28" name=""/>
           <p:cNvPicPr/>
           <p:nvPr/>
         </p:nvPicPr>
@@ -5929,7 +5965,7 @@
       </p:pic>
       <p:pic>
         <p:nvPicPr>
-          <p:cNvPr descr="" id="28" name=""/>
+          <p:cNvPr descr="" id="29" name=""/>
           <p:cNvPicPr/>
           <p:nvPr/>
         </p:nvPicPr>
@@ -5951,7 +5987,7 @@
       </p:pic>
       <p:sp>
         <p:nvSpPr>
-          <p:cNvPr id="29" name="CustomShape 3"/>
+          <p:cNvPr id="30" name="CustomShape 3"/>
           <p:cNvSpPr/>
           <p:nvPr/>
         </p:nvSpPr>
@@ -5995,7 +6031,7 @@
       </p:grpSpPr>
       <p:sp>
         <p:nvSpPr>
-          <p:cNvPr id="30" name="TextShape 1"/>
+          <p:cNvPr id="31" name="TextShape 1"/>
           <p:cNvSpPr txBox="1"/>
           <p:nvPr/>
         </p:nvSpPr>
@@ -6022,7 +6058,7 @@
       </p:sp>
       <p:sp>
         <p:nvSpPr>
-          <p:cNvPr id="31" name="TextShape 2"/>
+          <p:cNvPr id="32" name="TextShape 2"/>
           <p:cNvSpPr txBox="1"/>
           <p:nvPr/>
         </p:nvSpPr>
@@ -6045,9 +6081,8 @@
           </a:p>
           <a:p>
             <a:pPr>
-              <a:buSzPct val="45000"/>
-              <a:buFont typeface="StarSymbol"/>
-              <a:buChar char=""/>
+              <a:buFont typeface="Times New Roman"/>
+              <a:buAutoNum type="arabicPeriod"/>
             </a:pPr>
             <a:r>
               <a:rPr lang="fi-FI" sz="1400"/>
@@ -6061,9 +6096,8 @@
           </a:p>
           <a:p>
             <a:pPr>
-              <a:buSzPct val="45000"/>
-              <a:buFont typeface="StarSymbol"/>
-              <a:buChar char=""/>
+              <a:buFont typeface="Times New Roman"/>
+              <a:buAutoNum type="arabicPeriod"/>
             </a:pPr>
             <a:r>
               <a:rPr lang="fi-FI" sz="1400"/>
@@ -6079,7 +6113,7 @@
       </p:sp>
       <p:pic>
         <p:nvPicPr>
-          <p:cNvPr descr="" id="32" name=""/>
+          <p:cNvPr descr="" id="33" name=""/>
           <p:cNvPicPr/>
           <p:nvPr/>
         </p:nvPicPr>
@@ -6101,7 +6135,7 @@
       </p:pic>
       <p:pic>
         <p:nvPicPr>
-          <p:cNvPr descr="" id="33" name=""/>
+          <p:cNvPr descr="" id="34" name=""/>
           <p:cNvPicPr/>
           <p:nvPr/>
         </p:nvPicPr>

--- a/docs/Brainliner_Desktop_Tutorial_for_Use[jp].pptx
+++ b/docs/Brainliner_Desktop_Tutorial_for_Use[jp].pptx
@@ -395,7 +395,7 @@
           <a:bodyPr bIns="0" lIns="0" rIns="0" tIns="0" wrap="none"/>
           <a:p>
             <a:pPr algn="r"/>
-            <a:fld id="{1181C1B1-21C1-4101-9111-512141A15171}" type="slidenum">
+            <a:fld id="{C121A131-8151-4161-A1E1-71E111B13151}" type="slidenum">
               <a:rPr lang="fi-FI" sz="1400"/>
               <a:t>&lt;番号&gt;</a:t>
             </a:fld>
@@ -514,7 +514,7 @@
       </p:grpSpPr>
       <p:sp>
         <p:nvSpPr>
-          <p:cNvPr id="35" name="TextShape 1"/>
+          <p:cNvPr id="36" name="TextShape 1"/>
           <p:cNvSpPr txBox="1"/>
           <p:nvPr/>
         </p:nvSpPr>
@@ -541,7 +541,7 @@
       </p:sp>
       <p:sp>
         <p:nvSpPr>
-          <p:cNvPr id="36" name="TextShape 2"/>
+          <p:cNvPr id="37" name="TextShape 2"/>
           <p:cNvSpPr txBox="1"/>
           <p:nvPr/>
         </p:nvSpPr>
@@ -564,7 +564,7 @@
           </a:p>
           <a:p>
             <a:pPr>
-              <a:buFont typeface="Times New Roman"/>
+              <a:buFont typeface="StarSymbol"/>
               <a:buAutoNum type="arabicPeriod"/>
             </a:pPr>
             <a:r>
@@ -583,7 +583,7 @@
           </a:p>
           <a:p>
             <a:pPr>
-              <a:buFont typeface="Times New Roman"/>
+              <a:buFont typeface="StarSymbol"/>
               <a:buAutoNum type="arabicPeriod"/>
             </a:pPr>
             <a:r>
@@ -604,7 +604,7 @@
       </p:sp>
       <p:pic>
         <p:nvPicPr>
-          <p:cNvPr descr="" id="37" name=""/>
+          <p:cNvPr descr="" id="38" name=""/>
           <p:cNvPicPr/>
           <p:nvPr/>
         </p:nvPicPr>
@@ -626,7 +626,7 @@
       </p:pic>
       <p:pic>
         <p:nvPicPr>
-          <p:cNvPr descr="" id="38" name=""/>
+          <p:cNvPr descr="" id="39" name=""/>
           <p:cNvPicPr/>
           <p:nvPr/>
         </p:nvPicPr>
@@ -648,7 +648,7 @@
       </p:pic>
       <p:sp>
         <p:nvSpPr>
-          <p:cNvPr id="39" name="Line 3"/>
+          <p:cNvPr id="40" name="Line 3"/>
           <p:cNvSpPr/>
           <p:nvPr/>
         </p:nvSpPr>
@@ -692,7 +692,7 @@
       </p:grpSpPr>
       <p:sp>
         <p:nvSpPr>
-          <p:cNvPr id="40" name="TextShape 1"/>
+          <p:cNvPr id="41" name="TextShape 1"/>
           <p:cNvSpPr txBox="1"/>
           <p:nvPr/>
         </p:nvSpPr>
@@ -719,7 +719,7 @@
       </p:sp>
       <p:sp>
         <p:nvSpPr>
-          <p:cNvPr id="41" name="TextShape 2"/>
+          <p:cNvPr id="42" name="TextShape 2"/>
           <p:cNvSpPr txBox="1"/>
           <p:nvPr/>
         </p:nvSpPr>
@@ -742,7 +742,7 @@
           </a:p>
           <a:p>
             <a:pPr>
-              <a:buFont typeface="Times New Roman"/>
+              <a:buFont typeface="StarSymbol"/>
               <a:buAutoNum type="arabicPeriod"/>
             </a:pPr>
             <a:r>
@@ -757,7 +757,7 @@
           </a:p>
           <a:p>
             <a:pPr>
-              <a:buFont typeface="Times New Roman"/>
+              <a:buFont typeface="StarSymbol"/>
               <a:buAutoNum type="arabicPeriod"/>
             </a:pPr>
             <a:r>
@@ -786,7 +786,7 @@
       </p:sp>
       <p:sp>
         <p:nvSpPr>
-          <p:cNvPr id="42" name="TextShape 3"/>
+          <p:cNvPr id="43" name="TextShape 3"/>
           <p:cNvSpPr txBox="1"/>
           <p:nvPr/>
         </p:nvSpPr>
@@ -867,7 +867,7 @@
       </p:grpSpPr>
       <p:sp>
         <p:nvSpPr>
-          <p:cNvPr id="43" name="TextShape 1"/>
+          <p:cNvPr id="44" name="TextShape 1"/>
           <p:cNvSpPr txBox="1"/>
           <p:nvPr/>
         </p:nvSpPr>
@@ -894,7 +894,7 @@
       </p:sp>
       <p:sp>
         <p:nvSpPr>
-          <p:cNvPr id="44" name="TextShape 2"/>
+          <p:cNvPr id="45" name="TextShape 2"/>
           <p:cNvSpPr txBox="1"/>
           <p:nvPr/>
         </p:nvSpPr>
@@ -917,7 +917,7 @@
           </a:p>
           <a:p>
             <a:pPr>
-              <a:buFont typeface="Times New Roman"/>
+              <a:buFont typeface="StarSymbol"/>
               <a:buAutoNum type="arabicPeriod"/>
             </a:pPr>
             <a:r>
@@ -944,7 +944,7 @@
           </a:p>
           <a:p>
             <a:pPr>
-              <a:buFont typeface="Times New Roman"/>
+              <a:buFont typeface="StarSymbol"/>
               <a:buAutoNum type="arabicPeriod"/>
             </a:pPr>
             <a:r>
@@ -1005,7 +1005,7 @@
       </p:sp>
       <p:pic>
         <p:nvPicPr>
-          <p:cNvPr descr="" id="45" name=""/>
+          <p:cNvPr descr="" id="46" name=""/>
           <p:cNvPicPr/>
           <p:nvPr/>
         </p:nvPicPr>
@@ -1027,7 +1027,7 @@
       </p:pic>
       <p:pic>
         <p:nvPicPr>
-          <p:cNvPr descr="" id="46" name=""/>
+          <p:cNvPr descr="" id="47" name=""/>
           <p:cNvPicPr/>
           <p:nvPr/>
         </p:nvPicPr>
@@ -1049,7 +1049,7 @@
       </p:pic>
       <p:sp>
         <p:nvSpPr>
-          <p:cNvPr id="47" name="CustomShape 3"/>
+          <p:cNvPr id="48" name="CustomShape 3"/>
           <p:cNvSpPr/>
           <p:nvPr/>
         </p:nvSpPr>
@@ -1071,7 +1071,7 @@
       </p:sp>
       <p:sp>
         <p:nvSpPr>
-          <p:cNvPr id="48" name="Line 4"/>
+          <p:cNvPr id="49" name="Line 4"/>
           <p:cNvSpPr/>
           <p:nvPr/>
         </p:nvSpPr>
@@ -1093,7 +1093,7 @@
       </p:sp>
       <p:sp>
         <p:nvSpPr>
-          <p:cNvPr id="49" name="TextShape 5"/>
+          <p:cNvPr id="50" name="TextShape 5"/>
           <p:cNvSpPr txBox="1"/>
           <p:nvPr/>
         </p:nvSpPr>
@@ -1120,7 +1120,7 @@
       </p:sp>
       <p:sp>
         <p:nvSpPr>
-          <p:cNvPr id="50" name="Line 6"/>
+          <p:cNvPr id="51" name="Line 6"/>
           <p:cNvSpPr/>
           <p:nvPr/>
         </p:nvSpPr>
@@ -1142,7 +1142,7 @@
       </p:sp>
       <p:sp>
         <p:nvSpPr>
-          <p:cNvPr id="51" name="TextShape 7"/>
+          <p:cNvPr id="52" name="TextShape 7"/>
           <p:cNvSpPr txBox="1"/>
           <p:nvPr/>
         </p:nvSpPr>
@@ -1223,7 +1223,7 @@
       </p:grpSpPr>
       <p:sp>
         <p:nvSpPr>
-          <p:cNvPr id="52" name="TextShape 1"/>
+          <p:cNvPr id="53" name="TextShape 1"/>
           <p:cNvSpPr txBox="1"/>
           <p:nvPr/>
         </p:nvSpPr>
@@ -1250,7 +1250,7 @@
       </p:sp>
       <p:sp>
         <p:nvSpPr>
-          <p:cNvPr id="53" name="TextShape 2"/>
+          <p:cNvPr id="54" name="TextShape 2"/>
           <p:cNvSpPr txBox="1"/>
           <p:nvPr/>
         </p:nvSpPr>
@@ -1273,7 +1273,7 @@
           </a:p>
           <a:p>
             <a:pPr>
-              <a:buFont typeface="Times New Roman"/>
+              <a:buFont typeface="StarSymbol"/>
               <a:buAutoNum type="arabicPeriod"/>
             </a:pPr>
             <a:r>
@@ -1356,7 +1356,7 @@
       </p:grpSpPr>
       <p:sp>
         <p:nvSpPr>
-          <p:cNvPr id="54" name="TextShape 1"/>
+          <p:cNvPr id="55" name="TextShape 1"/>
           <p:cNvSpPr txBox="1"/>
           <p:nvPr/>
         </p:nvSpPr>
@@ -1383,7 +1383,7 @@
       </p:sp>
       <p:sp>
         <p:nvSpPr>
-          <p:cNvPr id="55" name="TextShape 2"/>
+          <p:cNvPr id="56" name="TextShape 2"/>
           <p:cNvSpPr txBox="1"/>
           <p:nvPr/>
         </p:nvSpPr>
@@ -1648,7 +1648,7 @@
       </p:grpSpPr>
       <p:sp>
         <p:nvSpPr>
-          <p:cNvPr id="56" name="TextShape 1"/>
+          <p:cNvPr id="57" name="TextShape 1"/>
           <p:cNvSpPr txBox="1"/>
           <p:nvPr/>
         </p:nvSpPr>
@@ -1675,7 +1675,7 @@
       </p:sp>
       <p:sp>
         <p:nvSpPr>
-          <p:cNvPr id="57" name="TextShape 2"/>
+          <p:cNvPr id="58" name="TextShape 2"/>
           <p:cNvSpPr txBox="1"/>
           <p:nvPr/>
         </p:nvSpPr>
@@ -1859,7 +1859,7 @@
       </p:grpSpPr>
       <p:sp>
         <p:nvSpPr>
-          <p:cNvPr id="58" name="TextShape 1"/>
+          <p:cNvPr id="59" name="TextShape 1"/>
           <p:cNvSpPr txBox="1"/>
           <p:nvPr/>
         </p:nvSpPr>
@@ -1886,7 +1886,7 @@
       </p:sp>
       <p:sp>
         <p:nvSpPr>
-          <p:cNvPr id="59" name="TextShape 2"/>
+          <p:cNvPr id="60" name="TextShape 2"/>
           <p:cNvSpPr txBox="1"/>
           <p:nvPr/>
         </p:nvSpPr>
@@ -2016,7 +2016,7 @@
       </p:sp>
       <p:sp>
         <p:nvSpPr>
-          <p:cNvPr id="60" name="TextShape 3"/>
+          <p:cNvPr id="61" name="TextShape 3"/>
           <p:cNvSpPr txBox="1"/>
           <p:nvPr/>
         </p:nvSpPr>
@@ -2153,7 +2153,7 @@
       </p:grpSpPr>
       <p:sp>
         <p:nvSpPr>
-          <p:cNvPr id="61" name="TextShape 1"/>
+          <p:cNvPr id="62" name="TextShape 1"/>
           <p:cNvSpPr txBox="1"/>
           <p:nvPr/>
         </p:nvSpPr>
@@ -2180,7 +2180,7 @@
       </p:sp>
       <p:sp>
         <p:nvSpPr>
-          <p:cNvPr id="62" name="TextShape 2"/>
+          <p:cNvPr id="63" name="TextShape 2"/>
           <p:cNvSpPr txBox="1"/>
           <p:nvPr/>
         </p:nvSpPr>
@@ -2272,7 +2272,7 @@
       </p:grpSpPr>
       <p:sp>
         <p:nvSpPr>
-          <p:cNvPr id="63" name="TextShape 1"/>
+          <p:cNvPr id="64" name="TextShape 1"/>
           <p:cNvSpPr txBox="1"/>
           <p:nvPr/>
         </p:nvSpPr>
@@ -2299,7 +2299,7 @@
       </p:sp>
       <p:sp>
         <p:nvSpPr>
-          <p:cNvPr id="64" name="TextShape 2"/>
+          <p:cNvPr id="65" name="TextShape 2"/>
           <p:cNvSpPr txBox="1"/>
           <p:nvPr/>
         </p:nvSpPr>
@@ -2410,7 +2410,7 @@
       </p:sp>
       <p:pic>
         <p:nvPicPr>
-          <p:cNvPr descr="" id="65" name=""/>
+          <p:cNvPr descr="" id="66" name=""/>
           <p:cNvPicPr/>
           <p:nvPr/>
         </p:nvPicPr>
@@ -2454,7 +2454,7 @@
       </p:grpSpPr>
       <p:sp>
         <p:nvSpPr>
-          <p:cNvPr id="66" name="TextShape 1"/>
+          <p:cNvPr id="67" name="TextShape 1"/>
           <p:cNvSpPr txBox="1"/>
           <p:nvPr/>
         </p:nvSpPr>
@@ -2481,7 +2481,7 @@
       </p:sp>
       <p:sp>
         <p:nvSpPr>
-          <p:cNvPr id="67" name="TextShape 2"/>
+          <p:cNvPr id="68" name="TextShape 2"/>
           <p:cNvSpPr txBox="1"/>
           <p:nvPr/>
         </p:nvSpPr>
@@ -2596,7 +2596,7 @@
       </p:sp>
       <p:sp>
         <p:nvSpPr>
-          <p:cNvPr id="68" name="CustomShape 3"/>
+          <p:cNvPr id="69" name="CustomShape 3"/>
           <p:cNvSpPr/>
           <p:nvPr/>
         </p:nvSpPr>
@@ -2618,7 +2618,7 @@
       </p:sp>
       <p:sp>
         <p:nvSpPr>
-          <p:cNvPr id="69" name="TextShape 4"/>
+          <p:cNvPr id="70" name="TextShape 4"/>
           <p:cNvSpPr txBox="1"/>
           <p:nvPr/>
         </p:nvSpPr>
@@ -2645,7 +2645,7 @@
       </p:sp>
       <p:sp>
         <p:nvSpPr>
-          <p:cNvPr id="70" name="TextShape 5"/>
+          <p:cNvPr id="71" name="TextShape 5"/>
           <p:cNvSpPr txBox="1"/>
           <p:nvPr/>
         </p:nvSpPr>
@@ -2878,7 +2878,7 @@
       </p:grpSpPr>
       <p:sp>
         <p:nvSpPr>
-          <p:cNvPr id="71" name="TextShape 1"/>
+          <p:cNvPr id="72" name="TextShape 1"/>
           <p:cNvSpPr txBox="1"/>
           <p:nvPr/>
         </p:nvSpPr>
@@ -2905,7 +2905,7 @@
       </p:sp>
       <p:sp>
         <p:nvSpPr>
-          <p:cNvPr id="72" name="TextShape 2"/>
+          <p:cNvPr id="73" name="TextShape 2"/>
           <p:cNvSpPr txBox="1"/>
           <p:nvPr/>
         </p:nvSpPr>
@@ -3043,7 +3043,7 @@
       </p:sp>
       <p:sp>
         <p:nvSpPr>
-          <p:cNvPr id="73" name="CustomShape 3"/>
+          <p:cNvPr id="74" name="CustomShape 3"/>
           <p:cNvSpPr/>
           <p:nvPr/>
         </p:nvSpPr>
@@ -3065,7 +3065,7 @@
       </p:sp>
       <p:sp>
         <p:nvSpPr>
-          <p:cNvPr id="74" name="TextShape 4"/>
+          <p:cNvPr id="75" name="TextShape 4"/>
           <p:cNvSpPr txBox="1"/>
           <p:nvPr/>
         </p:nvSpPr>
@@ -3092,7 +3092,7 @@
       </p:sp>
       <p:pic>
         <p:nvPicPr>
-          <p:cNvPr descr="" id="75" name=""/>
+          <p:cNvPr descr="" id="76" name=""/>
           <p:cNvPicPr/>
           <p:nvPr/>
         </p:nvPicPr>
@@ -3114,7 +3114,7 @@
       </p:pic>
       <p:pic>
         <p:nvPicPr>
-          <p:cNvPr descr="" id="76" name=""/>
+          <p:cNvPr descr="" id="77" name=""/>
           <p:cNvPicPr/>
           <p:nvPr/>
         </p:nvPicPr>
@@ -3136,7 +3136,7 @@
       </p:pic>
       <p:pic>
         <p:nvPicPr>
-          <p:cNvPr descr="" id="77" name=""/>
+          <p:cNvPr descr="" id="78" name=""/>
           <p:cNvPicPr/>
           <p:nvPr/>
         </p:nvPicPr>
@@ -3158,7 +3158,7 @@
       </p:pic>
       <p:sp>
         <p:nvSpPr>
-          <p:cNvPr id="78" name="Line 5"/>
+          <p:cNvPr id="79" name="Line 5"/>
           <p:cNvSpPr/>
           <p:nvPr/>
         </p:nvSpPr>
@@ -3180,7 +3180,7 @@
       </p:sp>
       <p:sp>
         <p:nvSpPr>
-          <p:cNvPr id="79" name="TextShape 6"/>
+          <p:cNvPr id="80" name="TextShape 6"/>
           <p:cNvSpPr txBox="1"/>
           <p:nvPr/>
         </p:nvSpPr>
@@ -3207,7 +3207,7 @@
       </p:sp>
       <p:sp>
         <p:nvSpPr>
-          <p:cNvPr id="80" name="Line 7"/>
+          <p:cNvPr id="81" name="Line 7"/>
           <p:cNvSpPr/>
           <p:nvPr/>
         </p:nvSpPr>
@@ -3229,7 +3229,7 @@
       </p:sp>
       <p:sp>
         <p:nvSpPr>
-          <p:cNvPr id="81" name="TextShape 8"/>
+          <p:cNvPr id="82" name="TextShape 8"/>
           <p:cNvSpPr txBox="1"/>
           <p:nvPr/>
         </p:nvSpPr>
@@ -3256,7 +3256,7 @@
       </p:sp>
       <p:sp>
         <p:nvSpPr>
-          <p:cNvPr id="82" name="Line 9"/>
+          <p:cNvPr id="83" name="Line 9"/>
           <p:cNvSpPr/>
           <p:nvPr/>
         </p:nvSpPr>
@@ -3278,7 +3278,7 @@
       </p:sp>
       <p:sp>
         <p:nvSpPr>
-          <p:cNvPr id="83" name="TextShape 10"/>
+          <p:cNvPr id="84" name="TextShape 10"/>
           <p:cNvSpPr txBox="1"/>
           <p:nvPr/>
         </p:nvSpPr>
@@ -3327,7 +3327,7 @@
       </p:grpSpPr>
       <p:sp>
         <p:nvSpPr>
-          <p:cNvPr id="84" name="TextShape 1"/>
+          <p:cNvPr id="85" name="TextShape 1"/>
           <p:cNvSpPr txBox="1"/>
           <p:nvPr/>
         </p:nvSpPr>
@@ -3354,7 +3354,7 @@
       </p:sp>
       <p:sp>
         <p:nvSpPr>
-          <p:cNvPr id="85" name="TextShape 2"/>
+          <p:cNvPr id="86" name="TextShape 2"/>
           <p:cNvSpPr txBox="1"/>
           <p:nvPr/>
         </p:nvSpPr>
@@ -3580,7 +3580,7 @@
       </p:sp>
       <p:sp>
         <p:nvSpPr>
-          <p:cNvPr id="86" name="TextShape 3"/>
+          <p:cNvPr id="87" name="TextShape 3"/>
           <p:cNvSpPr txBox="1"/>
           <p:nvPr/>
         </p:nvSpPr>
@@ -3719,7 +3719,7 @@
       </p:sp>
       <p:pic>
         <p:nvPicPr>
-          <p:cNvPr descr="" id="87" name=""/>
+          <p:cNvPr descr="" id="88" name=""/>
           <p:cNvPicPr/>
           <p:nvPr/>
         </p:nvPicPr>
@@ -3741,7 +3741,7 @@
       </p:pic>
       <p:pic>
         <p:nvPicPr>
-          <p:cNvPr descr="" id="88" name=""/>
+          <p:cNvPr descr="" id="89" name=""/>
           <p:cNvPicPr/>
           <p:nvPr/>
         </p:nvPicPr>
@@ -3763,7 +3763,7 @@
       </p:pic>
       <p:sp>
         <p:nvSpPr>
-          <p:cNvPr id="89" name="CustomShape 4"/>
+          <p:cNvPr id="90" name="CustomShape 4"/>
           <p:cNvSpPr/>
           <p:nvPr/>
         </p:nvSpPr>
@@ -3785,7 +3785,7 @@
       </p:sp>
       <p:sp>
         <p:nvSpPr>
-          <p:cNvPr id="90" name="Line 5"/>
+          <p:cNvPr id="91" name="Line 5"/>
           <p:cNvSpPr/>
           <p:nvPr/>
         </p:nvSpPr>
@@ -3807,7 +3807,7 @@
       </p:sp>
       <p:sp>
         <p:nvSpPr>
-          <p:cNvPr id="91" name="Line 6"/>
+          <p:cNvPr id="92" name="Line 6"/>
           <p:cNvSpPr/>
           <p:nvPr/>
         </p:nvSpPr>
@@ -3829,7 +3829,7 @@
       </p:sp>
       <p:sp>
         <p:nvSpPr>
-          <p:cNvPr id="92" name="Line 7"/>
+          <p:cNvPr id="93" name="Line 7"/>
           <p:cNvSpPr/>
           <p:nvPr/>
         </p:nvSpPr>
@@ -3851,7 +3851,7 @@
       </p:sp>
       <p:sp>
         <p:nvSpPr>
-          <p:cNvPr id="93" name="TextShape 8"/>
+          <p:cNvPr id="94" name="TextShape 8"/>
           <p:cNvSpPr txBox="1"/>
           <p:nvPr/>
         </p:nvSpPr>
@@ -3878,7 +3878,7 @@
       </p:sp>
       <p:sp>
         <p:nvSpPr>
-          <p:cNvPr id="94" name="TextShape 9"/>
+          <p:cNvPr id="95" name="TextShape 9"/>
           <p:cNvSpPr txBox="1"/>
           <p:nvPr/>
         </p:nvSpPr>
@@ -3905,7 +3905,7 @@
       </p:sp>
       <p:sp>
         <p:nvSpPr>
-          <p:cNvPr id="95" name="TextShape 10"/>
+          <p:cNvPr id="96" name="TextShape 10"/>
           <p:cNvSpPr txBox="1"/>
           <p:nvPr/>
         </p:nvSpPr>
@@ -3936,7 +3936,7 @@
       </p:sp>
       <p:sp>
         <p:nvSpPr>
-          <p:cNvPr id="96" name="TextShape 11"/>
+          <p:cNvPr id="97" name="TextShape 11"/>
           <p:cNvSpPr txBox="1"/>
           <p:nvPr/>
         </p:nvSpPr>
@@ -3963,7 +3963,7 @@
       </p:sp>
       <p:sp>
         <p:nvSpPr>
-          <p:cNvPr id="97" name="TextShape 12"/>
+          <p:cNvPr id="98" name="TextShape 12"/>
           <p:cNvSpPr txBox="1"/>
           <p:nvPr/>
         </p:nvSpPr>
@@ -3990,7 +3990,7 @@
       </p:sp>
       <p:sp>
         <p:nvSpPr>
-          <p:cNvPr id="98" name="TextShape 13"/>
+          <p:cNvPr id="99" name="TextShape 13"/>
           <p:cNvSpPr txBox="1"/>
           <p:nvPr/>
         </p:nvSpPr>
@@ -4039,7 +4039,7 @@
       </p:grpSpPr>
       <p:pic>
         <p:nvPicPr>
-          <p:cNvPr descr="" id="99" name=""/>
+          <p:cNvPr descr="" id="100" name=""/>
           <p:cNvPicPr/>
           <p:nvPr/>
         </p:nvPicPr>
@@ -4061,7 +4061,7 @@
       </p:pic>
       <p:sp>
         <p:nvSpPr>
-          <p:cNvPr id="100" name="TextShape 1"/>
+          <p:cNvPr id="101" name="TextShape 1"/>
           <p:cNvSpPr txBox="1"/>
           <p:nvPr/>
         </p:nvSpPr>
@@ -4088,7 +4088,7 @@
       </p:sp>
       <p:sp>
         <p:nvSpPr>
-          <p:cNvPr id="101" name="TextShape 2"/>
+          <p:cNvPr id="102" name="TextShape 2"/>
           <p:cNvSpPr txBox="1"/>
           <p:nvPr/>
         </p:nvSpPr>
@@ -4194,7 +4194,7 @@
       </p:sp>
       <p:sp>
         <p:nvSpPr>
-          <p:cNvPr id="102" name="CustomShape 3"/>
+          <p:cNvPr id="103" name="CustomShape 3"/>
           <p:cNvSpPr/>
           <p:nvPr/>
         </p:nvSpPr>
@@ -4216,7 +4216,7 @@
       </p:sp>
       <p:sp>
         <p:nvSpPr>
-          <p:cNvPr id="103" name="Line 4"/>
+          <p:cNvPr id="104" name="Line 4"/>
           <p:cNvSpPr/>
           <p:nvPr/>
         </p:nvSpPr>
@@ -4238,7 +4238,7 @@
       </p:sp>
       <p:sp>
         <p:nvSpPr>
-          <p:cNvPr id="104" name="TextShape 5"/>
+          <p:cNvPr id="105" name="TextShape 5"/>
           <p:cNvSpPr txBox="1"/>
           <p:nvPr/>
         </p:nvSpPr>
@@ -4265,7 +4265,7 @@
       </p:sp>
       <p:sp>
         <p:nvSpPr>
-          <p:cNvPr id="105" name="TextShape 6"/>
+          <p:cNvPr id="106" name="TextShape 6"/>
           <p:cNvSpPr txBox="1"/>
           <p:nvPr/>
         </p:nvSpPr>
@@ -4292,7 +4292,7 @@
       </p:sp>
       <p:pic>
         <p:nvPicPr>
-          <p:cNvPr descr="" id="106" name=""/>
+          <p:cNvPr descr="" id="107" name=""/>
           <p:cNvPicPr/>
           <p:nvPr/>
         </p:nvPicPr>
@@ -4336,7 +4336,7 @@
       </p:grpSpPr>
       <p:sp>
         <p:nvSpPr>
-          <p:cNvPr id="107" name="TextShape 1"/>
+          <p:cNvPr id="108" name="TextShape 1"/>
           <p:cNvSpPr txBox="1"/>
           <p:nvPr/>
         </p:nvSpPr>
@@ -4363,7 +4363,7 @@
       </p:sp>
       <p:sp>
         <p:nvSpPr>
-          <p:cNvPr id="108" name="TextShape 2"/>
+          <p:cNvPr id="109" name="TextShape 2"/>
           <p:cNvSpPr txBox="1"/>
           <p:nvPr/>
         </p:nvSpPr>
@@ -4543,7 +4543,7 @@
       </p:grpSpPr>
       <p:sp>
         <p:nvSpPr>
-          <p:cNvPr id="109" name="TextShape 1"/>
+          <p:cNvPr id="110" name="TextShape 1"/>
           <p:cNvSpPr txBox="1"/>
           <p:nvPr/>
         </p:nvSpPr>
@@ -4570,7 +4570,7 @@
       </p:sp>
       <p:sp>
         <p:nvSpPr>
-          <p:cNvPr id="110" name="TextShape 2"/>
+          <p:cNvPr id="111" name="TextShape 2"/>
           <p:cNvSpPr txBox="1"/>
           <p:nvPr/>
         </p:nvSpPr>
@@ -4776,7 +4776,7 @@
       </p:grpSpPr>
       <p:sp>
         <p:nvSpPr>
-          <p:cNvPr id="111" name="TextShape 1"/>
+          <p:cNvPr id="112" name="TextShape 1"/>
           <p:cNvSpPr txBox="1"/>
           <p:nvPr/>
         </p:nvSpPr>
@@ -4803,7 +4803,7 @@
       </p:sp>
       <p:sp>
         <p:nvSpPr>
-          <p:cNvPr id="112" name="TextShape 2"/>
+          <p:cNvPr id="113" name="TextShape 2"/>
           <p:cNvSpPr txBox="1"/>
           <p:nvPr/>
         </p:nvSpPr>
@@ -5317,7 +5317,7 @@
           </a:p>
           <a:p>
             <a:pPr>
-              <a:buFont typeface="Times New Roman"/>
+              <a:buFont typeface="StarSymbol"/>
               <a:buAutoNum type="arabicPeriod"/>
             </a:pPr>
             <a:r>
@@ -5368,7 +5368,7 @@
           </a:p>
           <a:p>
             <a:pPr>
-              <a:buFont typeface="Times New Roman"/>
+              <a:buFont typeface="StarSymbol"/>
               <a:buAutoNum type="arabicPeriod"/>
             </a:pPr>
             <a:r>
@@ -5390,33 +5390,6 @@
             <a:r>
               <a:rPr lang="fi-FI" sz="1400"/>
               <a:t>に配置したアプリを起動し、本アプリを使用します。</a:t>
-            </a:r>
-            <a:endParaRPr/>
-          </a:p>
-          <a:p>
-            <a:pPr>
-              <a:buFont typeface="Times New Roman"/>
-              <a:buAutoNum type="arabicPeriod"/>
-            </a:pPr>
-            <a:r>
-              <a:rPr lang="fi-FI" sz="1400"/>
-              <a:t>アンインストールの場合は本アプリを</a:t>
-            </a:r>
-            <a:r>
-              <a:rPr lang="fi-FI" sz="1400"/>
-              <a:t>[</a:t>
-            </a:r>
-            <a:r>
-              <a:rPr lang="fi-FI" sz="1400"/>
-              <a:t>ごみ箱</a:t>
-            </a:r>
-            <a:r>
-              <a:rPr lang="fi-FI" sz="1400"/>
-              <a:t>]</a:t>
-            </a:r>
-            <a:r>
-              <a:rPr lang="fi-FI" sz="1400"/>
-              <a:t>に配置してください。</a:t>
             </a:r>
             <a:endParaRPr/>
           </a:p>
@@ -5468,6 +5441,114 @@
             <a:r>
               <a:rPr lang="fi-FI" sz="1400"/>
               <a:t>のインストールを行います。</a:t>
+            </a:r>
+            <a:endParaRPr/>
+          </a:p>
+        </p:txBody>
+      </p:sp>
+      <p:sp>
+        <p:nvSpPr>
+          <p:cNvPr id="17" name="TextShape 4"/>
+          <p:cNvSpPr txBox="1"/>
+          <p:nvPr/>
+        </p:nvSpPr>
+        <p:spPr>
+          <a:xfrm>
+            <a:off x="613440" y="4278240"/>
+            <a:ext cx="4606560" cy="1992960"/>
+          </a:xfrm>
+          <a:prstGeom prst="rect">
+            <a:avLst/>
+          </a:prstGeom>
+        </p:spPr>
+        <p:txBody>
+          <a:bodyPr bIns="0" lIns="0" rIns="0" tIns="0" wrap="none"/>
+          <a:p>
+            <a:endParaRPr/>
+          </a:p>
+          <a:p>
+            <a:pPr>
+              <a:buSzPct val="45000"/>
+              <a:buFont typeface="StarSymbol"/>
+              <a:buChar char=""/>
+            </a:pPr>
+            <a:r>
+              <a:rPr lang="fi-FI" sz="1400"/>
+              <a:t>※</a:t>
+            </a:r>
+            <a:r>
+              <a:rPr lang="fi-FI" sz="1400"/>
+              <a:t>アンインストール時は以下を実行してください。</a:t>
+            </a:r>
+            <a:endParaRPr/>
+          </a:p>
+          <a:p>
+            <a:pPr>
+              <a:buFont typeface="StarSymbol"/>
+              <a:buAutoNum type="arabicPeriod"/>
+            </a:pPr>
+            <a:r>
+              <a:rPr lang="fi-FI" sz="1400"/>
+              <a:t>[</a:t>
+            </a:r>
+            <a:r>
+              <a:rPr lang="fi-FI" sz="1400"/>
+              <a:t>アプリケーション</a:t>
+            </a:r>
+            <a:r>
+              <a:rPr lang="fi-FI" sz="1400"/>
+              <a:t>]</a:t>
+            </a:r>
+            <a:r>
+              <a:rPr lang="fi-FI" sz="1400"/>
+              <a:t>に配置している本アプリを</a:t>
+            </a:r>
+            <a:r>
+              <a:rPr lang="fi-FI" sz="1400"/>
+              <a:t>[</a:t>
+            </a:r>
+            <a:r>
+              <a:rPr lang="fi-FI" sz="1400"/>
+              <a:t>ごみ箱</a:t>
+            </a:r>
+            <a:r>
+              <a:rPr lang="fi-FI" sz="1400"/>
+              <a:t>]</a:t>
+            </a:r>
+            <a:r>
+              <a:rPr lang="fi-FI" sz="1400"/>
+              <a:t>に移動します。</a:t>
+            </a:r>
+            <a:endParaRPr/>
+          </a:p>
+          <a:p>
+            <a:pPr>
+              <a:buFont typeface="StarSymbol"/>
+              <a:buAutoNum type="arabicPeriod"/>
+            </a:pPr>
+            <a:r>
+              <a:rPr lang="fi-FI" sz="1400"/>
+              <a:t>/User/xxx/Library/Application Support/brainliner (Mac OS X</a:t>
+            </a:r>
+            <a:r>
+              <a:rPr lang="fi-FI" sz="1400"/>
+              <a:t>の場合。</a:t>
+            </a:r>
+            <a:r>
+              <a:rPr lang="fi-FI" sz="1400"/>
+              <a:t>xxx</a:t>
+            </a:r>
+            <a:r>
+              <a:rPr lang="fi-FI" sz="1400"/>
+              <a:t>はユーザー名</a:t>
+            </a:r>
+            <a:r>
+              <a:rPr lang="fi-FI" sz="1400"/>
+              <a:t>)</a:t>
+            </a:r>
+            <a:r>
+              <a:rPr lang="fi-FI" sz="1400"/>
+              <a:t>をディレクトリ毎削除します。</a:t>
             </a:r>
             <a:endParaRPr/>
           </a:p>
@@ -5497,7 +5578,7 @@
       </p:grpSpPr>
       <p:sp>
         <p:nvSpPr>
-          <p:cNvPr id="17" name="TextShape 1"/>
+          <p:cNvPr id="18" name="TextShape 1"/>
           <p:cNvSpPr txBox="1"/>
           <p:nvPr/>
         </p:nvSpPr>
@@ -5524,7 +5605,7 @@
       </p:sp>
       <p:sp>
         <p:nvSpPr>
-          <p:cNvPr id="18" name="TextShape 2"/>
+          <p:cNvPr id="19" name="TextShape 2"/>
           <p:cNvSpPr txBox="1"/>
           <p:nvPr/>
         </p:nvSpPr>
@@ -5547,7 +5628,7 @@
           </a:p>
           <a:p>
             <a:pPr>
-              <a:buFont typeface="Times New Roman"/>
+              <a:buFont typeface="StarSymbol"/>
               <a:buAutoNum type="arabicPeriod"/>
             </a:pPr>
             <a:r>
@@ -5584,7 +5665,7 @@
       </p:sp>
       <p:pic>
         <p:nvPicPr>
-          <p:cNvPr descr="" id="19" name=""/>
+          <p:cNvPr descr="" id="20" name=""/>
           <p:cNvPicPr/>
           <p:nvPr/>
         </p:nvPicPr>
@@ -5606,7 +5687,7 @@
       </p:pic>
       <p:pic>
         <p:nvPicPr>
-          <p:cNvPr descr="" id="20" name=""/>
+          <p:cNvPr descr="" id="21" name=""/>
           <p:cNvPicPr/>
           <p:nvPr/>
         </p:nvPicPr>
@@ -5628,7 +5709,7 @@
       </p:pic>
       <p:sp>
         <p:nvSpPr>
-          <p:cNvPr id="21" name="TextShape 3"/>
+          <p:cNvPr id="22" name="TextShape 3"/>
           <p:cNvSpPr txBox="1"/>
           <p:nvPr/>
         </p:nvSpPr>
@@ -5701,7 +5782,7 @@
       </p:grpSpPr>
       <p:sp>
         <p:nvSpPr>
-          <p:cNvPr id="22" name="TextShape 1"/>
+          <p:cNvPr id="23" name="TextShape 1"/>
           <p:cNvSpPr txBox="1"/>
           <p:nvPr/>
         </p:nvSpPr>
@@ -5728,7 +5809,7 @@
       </p:sp>
       <p:sp>
         <p:nvSpPr>
-          <p:cNvPr id="23" name="TextShape 2"/>
+          <p:cNvPr id="24" name="TextShape 2"/>
           <p:cNvSpPr txBox="1"/>
           <p:nvPr/>
         </p:nvSpPr>
@@ -5751,7 +5832,7 @@
           </a:p>
           <a:p>
             <a:pPr>
-              <a:buFont typeface="Times New Roman"/>
+              <a:buFont typeface="StarSymbol"/>
               <a:buAutoNum type="arabicPeriod"/>
             </a:pPr>
             <a:r>
@@ -5766,7 +5847,7 @@
           </a:p>
           <a:p>
             <a:pPr>
-              <a:buFont typeface="Times New Roman"/>
+              <a:buFont typeface="StarSymbol"/>
               <a:buAutoNum type="arabicPeriod"/>
             </a:pPr>
             <a:r>
@@ -5787,7 +5868,7 @@
       </p:sp>
       <p:pic>
         <p:nvPicPr>
-          <p:cNvPr descr="" id="24" name=""/>
+          <p:cNvPr descr="" id="25" name=""/>
           <p:cNvPicPr/>
           <p:nvPr/>
         </p:nvPicPr>
@@ -5809,7 +5890,7 @@
       </p:pic>
       <p:pic>
         <p:nvPicPr>
-          <p:cNvPr descr="" id="25" name=""/>
+          <p:cNvPr descr="" id="26" name=""/>
           <p:cNvPicPr/>
           <p:nvPr/>
         </p:nvPicPr>
@@ -5853,7 +5934,7 @@
       </p:grpSpPr>
       <p:sp>
         <p:nvSpPr>
-          <p:cNvPr id="26" name="TextShape 1"/>
+          <p:cNvPr id="27" name="TextShape 1"/>
           <p:cNvSpPr txBox="1"/>
           <p:nvPr/>
         </p:nvSpPr>
@@ -5880,7 +5961,7 @@
       </p:sp>
       <p:sp>
         <p:nvSpPr>
-          <p:cNvPr id="27" name="TextShape 2"/>
+          <p:cNvPr id="28" name="TextShape 2"/>
           <p:cNvSpPr txBox="1"/>
           <p:nvPr/>
         </p:nvSpPr>
@@ -5903,7 +5984,7 @@
           </a:p>
           <a:p>
             <a:pPr>
-              <a:buFont typeface="Times New Roman"/>
+              <a:buFont typeface="StarSymbol"/>
               <a:buAutoNum type="arabicPeriod"/>
             </a:pPr>
             <a:r>
@@ -5922,7 +6003,7 @@
           </a:p>
           <a:p>
             <a:pPr>
-              <a:buFont typeface="Times New Roman"/>
+              <a:buFont typeface="StarSymbol"/>
               <a:buAutoNum type="arabicPeriod"/>
             </a:pPr>
             <a:r>
@@ -5943,7 +6024,7 @@
       </p:sp>
       <p:pic>
         <p:nvPicPr>
-          <p:cNvPr descr="" id="28" name=""/>
+          <p:cNvPr descr="" id="29" name=""/>
           <p:cNvPicPr/>
           <p:nvPr/>
         </p:nvPicPr>
@@ -5965,7 +6046,7 @@
       </p:pic>
       <p:pic>
         <p:nvPicPr>
-          <p:cNvPr descr="" id="29" name=""/>
+          <p:cNvPr descr="" id="30" name=""/>
           <p:cNvPicPr/>
           <p:nvPr/>
         </p:nvPicPr>
@@ -5987,7 +6068,7 @@
       </p:pic>
       <p:sp>
         <p:nvSpPr>
-          <p:cNvPr id="30" name="CustomShape 3"/>
+          <p:cNvPr id="31" name="CustomShape 3"/>
           <p:cNvSpPr/>
           <p:nvPr/>
         </p:nvSpPr>
@@ -6031,7 +6112,7 @@
       </p:grpSpPr>
       <p:sp>
         <p:nvSpPr>
-          <p:cNvPr id="31" name="TextShape 1"/>
+          <p:cNvPr id="32" name="TextShape 1"/>
           <p:cNvSpPr txBox="1"/>
           <p:nvPr/>
         </p:nvSpPr>
@@ -6058,7 +6139,7 @@
       </p:sp>
       <p:sp>
         <p:nvSpPr>
-          <p:cNvPr id="32" name="TextShape 2"/>
+          <p:cNvPr id="33" name="TextShape 2"/>
           <p:cNvSpPr txBox="1"/>
           <p:nvPr/>
         </p:nvSpPr>
@@ -6081,7 +6162,7 @@
           </a:p>
           <a:p>
             <a:pPr>
-              <a:buFont typeface="Times New Roman"/>
+              <a:buFont typeface="StarSymbol"/>
               <a:buAutoNum type="arabicPeriod"/>
             </a:pPr>
             <a:r>
@@ -6096,7 +6177,7 @@
           </a:p>
           <a:p>
             <a:pPr>
-              <a:buFont typeface="Times New Roman"/>
+              <a:buFont typeface="StarSymbol"/>
               <a:buAutoNum type="arabicPeriod"/>
             </a:pPr>
             <a:r>
@@ -6113,7 +6194,7 @@
       </p:sp>
       <p:pic>
         <p:nvPicPr>
-          <p:cNvPr descr="" id="33" name=""/>
+          <p:cNvPr descr="" id="34" name=""/>
           <p:cNvPicPr/>
           <p:nvPr/>
         </p:nvPicPr>
@@ -6135,7 +6216,7 @@
       </p:pic>
       <p:pic>
         <p:nvPicPr>
-          <p:cNvPr descr="" id="34" name=""/>
+          <p:cNvPr descr="" id="35" name=""/>
           <p:cNvPicPr/>
           <p:nvPr/>
         </p:nvPicPr>
